--- a/Thread-Scheduling os ppt.pptx
+++ b/Thread-Scheduling os ppt.pptx
@@ -2139,32 +2139,6 @@
           </a:p>
         </p:txBody>
       </p:sp>
-      <p:pic>
-        <p:nvPicPr>
-          <p:cNvPr id="21" name="Image 1" descr="preencoded.png">
-            <a:hlinkClick r:id="rId4"/>
-          </p:cNvPr>
-          <p:cNvPicPr>
-            <a:picLocks noChangeAspect="1"/>
-          </p:cNvPicPr>
-          <p:nvPr/>
-        </p:nvPicPr>
-        <p:blipFill>
-          <a:blip r:embed="rId5"/>
-          <a:stretch>
-            <a:fillRect/>
-          </a:stretch>
-        </p:blipFill>
-        <p:spPr>
-          <a:xfrm>
-            <a:off x="12242153" y="7589520"/>
-            <a:ext cx="2296807" cy="548640"/>
-          </a:xfrm>
-          <a:prstGeom prst="rect">
-            <a:avLst/>
-          </a:prstGeom>
-        </p:spPr>
-      </p:pic>
     </p:spTree>
   </p:cSld>
   <p:clrMapOvr>
@@ -2555,32 +2529,6 @@
           </a:p>
         </p:txBody>
       </p:sp>
-      <p:pic>
-        <p:nvPicPr>
-          <p:cNvPr id="11" name="Image 1" descr="preencoded.png">
-            <a:hlinkClick r:id="rId4"/>
-          </p:cNvPr>
-          <p:cNvPicPr>
-            <a:picLocks noChangeAspect="1"/>
-          </p:cNvPicPr>
-          <p:nvPr/>
-        </p:nvPicPr>
-        <p:blipFill>
-          <a:blip r:embed="rId5"/>
-          <a:stretch>
-            <a:fillRect/>
-          </a:stretch>
-        </p:blipFill>
-        <p:spPr>
-          <a:xfrm>
-            <a:off x="12242153" y="7589520"/>
-            <a:ext cx="2296807" cy="548640"/>
-          </a:xfrm>
-          <a:prstGeom prst="rect">
-            <a:avLst/>
-          </a:prstGeom>
-        </p:spPr>
-      </p:pic>
     </p:spTree>
   </p:cSld>
   <p:clrMapOvr>
@@ -3075,32 +3023,6 @@
           </a:p>
         </p:txBody>
       </p:sp>
-      <p:pic>
-        <p:nvPicPr>
-          <p:cNvPr id="15" name="Image 5" descr="preencoded.png">
-            <a:hlinkClick r:id="rId8"/>
-          </p:cNvPr>
-          <p:cNvPicPr>
-            <a:picLocks noChangeAspect="1"/>
-          </p:cNvPicPr>
-          <p:nvPr/>
-        </p:nvPicPr>
-        <p:blipFill>
-          <a:blip r:embed="rId9"/>
-          <a:stretch>
-            <a:fillRect/>
-          </a:stretch>
-        </p:blipFill>
-        <p:spPr>
-          <a:xfrm>
-            <a:off x="12242153" y="7589520"/>
-            <a:ext cx="2296807" cy="548640"/>
-          </a:xfrm>
-          <a:prstGeom prst="rect">
-            <a:avLst/>
-          </a:prstGeom>
-        </p:spPr>
-      </p:pic>
     </p:spTree>
   </p:cSld>
   <p:clrMapOvr>
@@ -3955,32 +3877,6 @@
           </a:p>
         </p:txBody>
       </p:sp>
-      <p:pic>
-        <p:nvPicPr>
-          <p:cNvPr id="26" name="Image 1" descr="preencoded.png">
-            <a:hlinkClick r:id="rId4"/>
-          </p:cNvPr>
-          <p:cNvPicPr>
-            <a:picLocks noChangeAspect="1"/>
-          </p:cNvPicPr>
-          <p:nvPr/>
-        </p:nvPicPr>
-        <p:blipFill>
-          <a:blip r:embed="rId5"/>
-          <a:stretch>
-            <a:fillRect/>
-          </a:stretch>
-        </p:blipFill>
-        <p:spPr>
-          <a:xfrm>
-            <a:off x="12242153" y="7589520"/>
-            <a:ext cx="2296807" cy="548640"/>
-          </a:xfrm>
-          <a:prstGeom prst="rect">
-            <a:avLst/>
-          </a:prstGeom>
-        </p:spPr>
-      </p:pic>
     </p:spTree>
   </p:cSld>
   <p:clrMapOvr>
@@ -5333,32 +5229,6 @@
           </a:p>
         </p:txBody>
       </p:sp>
-      <p:pic>
-        <p:nvPicPr>
-          <p:cNvPr id="37" name="Image 1" descr="preencoded.png">
-            <a:hlinkClick r:id="rId4"/>
-          </p:cNvPr>
-          <p:cNvPicPr>
-            <a:picLocks noChangeAspect="1"/>
-          </p:cNvPicPr>
-          <p:nvPr/>
-        </p:nvPicPr>
-        <p:blipFill>
-          <a:blip r:embed="rId5"/>
-          <a:stretch>
-            <a:fillRect/>
-          </a:stretch>
-        </p:blipFill>
-        <p:spPr>
-          <a:xfrm>
-            <a:off x="12242153" y="7589520"/>
-            <a:ext cx="2296807" cy="548640"/>
-          </a:xfrm>
-          <a:prstGeom prst="rect">
-            <a:avLst/>
-          </a:prstGeom>
-        </p:spPr>
-      </p:pic>
     </p:spTree>
   </p:cSld>
   <p:clrMapOvr>
@@ -5748,32 +5618,6 @@
           </a:p>
         </p:txBody>
       </p:sp>
-      <p:pic>
-        <p:nvPicPr>
-          <p:cNvPr id="14" name="Image 4" descr="preencoded.png">
-            <a:hlinkClick r:id="rId4"/>
-          </p:cNvPr>
-          <p:cNvPicPr>
-            <a:picLocks noChangeAspect="1"/>
-          </p:cNvPicPr>
-          <p:nvPr/>
-        </p:nvPicPr>
-        <p:blipFill>
-          <a:blip r:embed="rId5"/>
-          <a:stretch>
-            <a:fillRect/>
-          </a:stretch>
-        </p:blipFill>
-        <p:spPr>
-          <a:xfrm>
-            <a:off x="12242153" y="7589520"/>
-            <a:ext cx="2296807" cy="548640"/>
-          </a:xfrm>
-          <a:prstGeom prst="rect">
-            <a:avLst/>
-          </a:prstGeom>
-        </p:spPr>
-      </p:pic>
     </p:spTree>
   </p:cSld>
   <p:clrMapOvr>
@@ -5977,32 +5821,6 @@
           </a:p>
         </p:txBody>
       </p:sp>
-      <p:pic>
-        <p:nvPicPr>
-          <p:cNvPr id="7" name="Image 1" descr="preencoded.png">
-            <a:hlinkClick r:id="rId4"/>
-          </p:cNvPr>
-          <p:cNvPicPr>
-            <a:picLocks noChangeAspect="1"/>
-          </p:cNvPicPr>
-          <p:nvPr/>
-        </p:nvPicPr>
-        <p:blipFill>
-          <a:blip r:embed="rId5"/>
-          <a:stretch>
-            <a:fillRect/>
-          </a:stretch>
-        </p:blipFill>
-        <p:spPr>
-          <a:xfrm>
-            <a:off x="12242153" y="7589520"/>
-            <a:ext cx="2296807" cy="548640"/>
-          </a:xfrm>
-          <a:prstGeom prst="rect">
-            <a:avLst/>
-          </a:prstGeom>
-        </p:spPr>
-      </p:pic>
     </p:spTree>
   </p:cSld>
   <p:clrMapOvr>
